--- a/materials/slides/ch13.pptx
+++ b/materials/slides/ch13.pptx
@@ -90,20 +90,20 @@
       <p:boldItalic r:id="rId76"/>
     </p:embeddedFont>
     <p:embeddedFont>
-      <p:font typeface="微软雅黑" panose="020B0503020204020204" pitchFamily="34" charset="-122"/>
+      <p:font typeface="Calibri" panose="020F0502020204030204" pitchFamily="34" charset="0"/>
       <p:regular r:id="rId77"/>
       <p:bold r:id="rId78"/>
-    </p:embeddedFont>
-    <p:embeddedFont>
-      <p:font typeface="Calibri" panose="020F0502020204030204" pitchFamily="34" charset="0"/>
-      <p:regular r:id="rId79"/>
-      <p:bold r:id="rId80"/>
-      <p:italic r:id="rId81"/>
-      <p:boldItalic r:id="rId82"/>
+      <p:italic r:id="rId79"/>
+      <p:boldItalic r:id="rId80"/>
     </p:embeddedFont>
     <p:embeddedFont>
       <p:font typeface="黑体" panose="02010609060101010101" pitchFamily="49" charset="-122"/>
-      <p:regular r:id="rId83"/>
+      <p:regular r:id="rId81"/>
+    </p:embeddedFont>
+    <p:embeddedFont>
+      <p:font typeface="微软雅黑" panose="020B0503020204020204" pitchFamily="34" charset="-122"/>
+      <p:regular r:id="rId82"/>
+      <p:bold r:id="rId83"/>
     </p:embeddedFont>
   </p:embeddedFontLst>
   <p:defaultTextStyle>
@@ -248,10 +248,6 @@
     </p:ext>
   </p:extLst>
 </p:presentation>
-</file>
-
-<file path=ppt/revisionInfo.xml><?xml version="1.0" encoding="utf-8"?>
-<p1510:revInfo xmlns:a="http://schemas.openxmlformats.org/drawingml/2006/main" xmlns:r="http://schemas.openxmlformats.org/officeDocument/2006/relationships" xmlns:p1510="http://schemas.microsoft.com/office/powerpoint/2015/10/main"/>
 </file>
 
 <file path=ppt/diagrams/colors1.xml><?xml version="1.0" encoding="utf-8"?>
@@ -3161,7 +3157,7 @@
               <a:pPr>
                 <a:defRPr/>
               </a:pPr>
-              <a:t>2018/2/5</a:t>
+              <a:t>2019/7/16</a:t>
             </a:fld>
             <a:endParaRPr lang="zh-CN" altLang="en-US"/>
           </a:p>
@@ -8416,7 +8412,7 @@
           <a:graphicData uri="http://schemas.openxmlformats.org/presentationml/2006/ole">
             <mc:AlternateContent xmlns:mc="http://schemas.openxmlformats.org/markup-compatibility/2006">
               <mc:Choice xmlns:v="urn:schemas-microsoft-com:vml" Requires="v">
-                <p:oleObj spid="_x0000_s112657" r:id="rId4" imgW="6824520" imgH="1076040" progId="">
+                <p:oleObj spid="_x0000_s112658" r:id="rId4" imgW="6824520" imgH="1076040" progId="">
                   <p:embed/>
                 </p:oleObj>
               </mc:Choice>
@@ -8746,7 +8742,7 @@
               <a:pPr>
                 <a:defRPr/>
               </a:pPr>
-              <a:t>2018/2/5</a:t>
+              <a:t>2019/7/16</a:t>
             </a:fld>
             <a:endParaRPr lang="zh-CN" altLang="en-US"/>
           </a:p>
@@ -8946,7 +8942,7 @@
               <a:pPr>
                 <a:defRPr/>
               </a:pPr>
-              <a:t>2018/2/5</a:t>
+              <a:t>2019/7/16</a:t>
             </a:fld>
             <a:endParaRPr lang="zh-CN" altLang="en-US"/>
           </a:p>
@@ -9084,7 +9080,7 @@
           <a:graphicData uri="http://schemas.openxmlformats.org/presentationml/2006/ole">
             <mc:AlternateContent xmlns:mc="http://schemas.openxmlformats.org/markup-compatibility/2006">
               <mc:Choice xmlns:v="urn:schemas-microsoft-com:vml" Requires="v">
-                <p:oleObj spid="_x0000_s117777" r:id="rId4" imgW="6824520" imgH="1076040" progId="">
+                <p:oleObj spid="_x0000_s117778" r:id="rId4" imgW="6824520" imgH="1076040" progId="">
                   <p:embed/>
                 </p:oleObj>
               </mc:Choice>
@@ -9489,7 +9485,7 @@
           <a:graphicData uri="http://schemas.openxmlformats.org/presentationml/2006/ole">
             <mc:AlternateContent xmlns:mc="http://schemas.openxmlformats.org/markup-compatibility/2006">
               <mc:Choice xmlns:v="urn:schemas-microsoft-com:vml" Requires="v">
-                <p:oleObj spid="_x0000_s113681" r:id="rId4" imgW="6824520" imgH="1076040" progId="">
+                <p:oleObj spid="_x0000_s113682" r:id="rId4" imgW="6824520" imgH="1076040" progId="">
                   <p:embed/>
                 </p:oleObj>
               </mc:Choice>
@@ -9861,7 +9857,7 @@
           <a:graphicData uri="http://schemas.openxmlformats.org/presentationml/2006/ole">
             <mc:AlternateContent xmlns:mc="http://schemas.openxmlformats.org/markup-compatibility/2006">
               <mc:Choice xmlns:v="urn:schemas-microsoft-com:vml" Requires="v">
-                <p:oleObj spid="_x0000_s114705" r:id="rId4" imgW="6824520" imgH="1076040" progId="">
+                <p:oleObj spid="_x0000_s114706" r:id="rId4" imgW="6824520" imgH="1076040" progId="">
                   <p:embed/>
                 </p:oleObj>
               </mc:Choice>
@@ -10217,7 +10213,7 @@
           <a:graphicData uri="http://schemas.openxmlformats.org/presentationml/2006/ole">
             <mc:AlternateContent xmlns:mc="http://schemas.openxmlformats.org/markup-compatibility/2006">
               <mc:Choice xmlns:v="urn:schemas-microsoft-com:vml" Requires="v">
-                <p:oleObj spid="_x0000_s115729" r:id="rId4" imgW="6824520" imgH="1076040" progId="">
+                <p:oleObj spid="_x0000_s115730" r:id="rId4" imgW="6824520" imgH="1076040" progId="">
                   <p:embed/>
                 </p:oleObj>
               </mc:Choice>
@@ -10614,7 +10610,7 @@
               <a:pPr>
                 <a:defRPr/>
               </a:pPr>
-              <a:t>2018/2/5</a:t>
+              <a:t>2019/7/16</a:t>
             </a:fld>
             <a:endParaRPr lang="zh-CN" altLang="en-US"/>
           </a:p>
@@ -11055,7 +11051,7 @@
               <a:pPr>
                 <a:defRPr/>
               </a:pPr>
-              <a:t>2018/2/5</a:t>
+              <a:t>2019/7/16</a:t>
             </a:fld>
             <a:endParaRPr lang="zh-CN" altLang="en-US"/>
           </a:p>
@@ -11193,7 +11189,7 @@
           <a:graphicData uri="http://schemas.openxmlformats.org/presentationml/2006/ole">
             <mc:AlternateContent xmlns:mc="http://schemas.openxmlformats.org/markup-compatibility/2006">
               <mc:Choice xmlns:v="urn:schemas-microsoft-com:vml" Requires="v">
-                <p:oleObj spid="_x0000_s116753" r:id="rId4" imgW="6824520" imgH="1076040" progId="">
+                <p:oleObj spid="_x0000_s116754" r:id="rId4" imgW="6824520" imgH="1076040" progId="">
                   <p:embed/>
                 </p:oleObj>
               </mc:Choice>
@@ -11422,7 +11418,7 @@
               <a:pPr>
                 <a:defRPr/>
               </a:pPr>
-              <a:t>2018/2/5</a:t>
+              <a:t>2019/7/16</a:t>
             </a:fld>
             <a:endParaRPr lang="zh-CN" altLang="en-US"/>
           </a:p>
@@ -11539,7 +11535,7 @@
               <a:pPr>
                 <a:defRPr/>
               </a:pPr>
-              <a:t>2018/2/5</a:t>
+              <a:t>2019/7/16</a:t>
             </a:fld>
             <a:endParaRPr lang="zh-CN" altLang="en-US"/>
           </a:p>
@@ -11836,7 +11832,7 @@
               <a:pPr>
                 <a:defRPr/>
               </a:pPr>
-              <a:t>2018/2/5</a:t>
+              <a:t>2019/7/16</a:t>
             </a:fld>
             <a:endParaRPr lang="zh-CN" altLang="en-US"/>
           </a:p>
@@ -12113,7 +12109,7 @@
               <a:pPr>
                 <a:defRPr/>
               </a:pPr>
-              <a:t>2018/2/5</a:t>
+              <a:t>2019/7/16</a:t>
             </a:fld>
             <a:endParaRPr lang="zh-CN" altLang="en-US"/>
           </a:p>
@@ -12401,7 +12397,7 @@
               <a:pPr>
                 <a:defRPr/>
               </a:pPr>
-              <a:t>2018/2/5</a:t>
+              <a:t>2019/7/16</a:t>
             </a:fld>
             <a:endParaRPr lang="zh-CN" altLang="en-US"/>
           </a:p>
@@ -12521,7 +12517,7 @@
           <a:graphicData uri="http://schemas.openxmlformats.org/presentationml/2006/ole">
             <mc:AlternateContent xmlns:mc="http://schemas.openxmlformats.org/markup-compatibility/2006">
               <mc:Choice xmlns:v="urn:schemas-microsoft-com:vml" Requires="v">
-                <p:oleObj spid="_x0000_s1041" r:id="rId16" imgW="6824520" imgH="1076040" progId="">
+                <p:oleObj spid="_x0000_s1042" r:id="rId16" imgW="6824520" imgH="1076040" progId="">
                   <p:embed/>
                 </p:oleObj>
               </mc:Choice>
@@ -18367,7 +18363,7 @@
               </a:buBlip>
             </a:pPr>
             <a:r>
-              <a:rPr lang="zh-CN" altLang="en-US">
+              <a:rPr lang="zh-CN" altLang="en-US" dirty="0">
                 <a:solidFill>
                   <a:srgbClr val="FF0000"/>
                 </a:solidFill>
@@ -18400,8 +18396,8 @@
               </a:buBlip>
             </a:pPr>
             <a:r>
-              <a:rPr lang="zh-CN" altLang="en-US" dirty="0"/>
-              <a:t>数据流风格</a:t>
+              <a:rPr lang="zh-CN" altLang="en-US"/>
+              <a:t>数据流风格 </a:t>
             </a:r>
             <a:endParaRPr lang="en-US" altLang="zh-CN" dirty="0"/>
           </a:p>
